--- a/11_tétel.pptx
+++ b/11_tétel.pptx
@@ -3483,6 +3483,135 @@
             <a:r>
               <a:rPr lang="hu-HU" cap="small" dirty="0"/>
               <a:t>A honfoglalás.</a:t>
+            </a:r>
+          </a:p>
+        </p:txBody>
+      </p:sp>
+      <p:sp>
+        <p:nvSpPr>
+          <p:cNvPr id="6" name="Szövegdoboz 4">
+            <a:extLst>
+              <a:ext uri="{FF2B5EF4-FFF2-40B4-BE49-F238E27FC236}">
+                <a16:creationId xmlns:a16="http://schemas.microsoft.com/office/drawing/2014/main" id="{8F975C24-4A13-4920-8460-1195CF32340C}"/>
+              </a:ext>
+            </a:extLst>
+          </p:cNvPr>
+          <p:cNvSpPr txBox="1"/>
+          <p:nvPr/>
+        </p:nvSpPr>
+        <p:spPr>
+          <a:xfrm>
+            <a:off x="9650559" y="6495659"/>
+            <a:ext cx="2548839" cy="369332"/>
+          </a:xfrm>
+          <a:prstGeom prst="rect">
+            <a:avLst/>
+          </a:prstGeom>
+          <a:noFill/>
+        </p:spPr>
+        <p:txBody>
+          <a:bodyPr wrap="none" rtlCol="0">
+            <a:spAutoFit/>
+          </a:bodyPr>
+          <a:lstStyle>
+            <a:defPPr>
+              <a:defRPr lang="hu-HU"/>
+            </a:defPPr>
+            <a:lvl1pPr marL="0" algn="l" defTabSz="914400" rtl="0" eaLnBrk="1" latinLnBrk="0" hangingPunct="1">
+              <a:defRPr sz="1800" kern="1200">
+                <a:solidFill>
+                  <a:schemeClr val="tx1"/>
+                </a:solidFill>
+                <a:latin typeface="+mn-lt"/>
+                <a:ea typeface="+mn-ea"/>
+                <a:cs typeface="+mn-cs"/>
+              </a:defRPr>
+            </a:lvl1pPr>
+            <a:lvl2pPr marL="457200" algn="l" defTabSz="914400" rtl="0" eaLnBrk="1" latinLnBrk="0" hangingPunct="1">
+              <a:defRPr sz="1800" kern="1200">
+                <a:solidFill>
+                  <a:schemeClr val="tx1"/>
+                </a:solidFill>
+                <a:latin typeface="+mn-lt"/>
+                <a:ea typeface="+mn-ea"/>
+                <a:cs typeface="+mn-cs"/>
+              </a:defRPr>
+            </a:lvl2pPr>
+            <a:lvl3pPr marL="914400" algn="l" defTabSz="914400" rtl="0" eaLnBrk="1" latinLnBrk="0" hangingPunct="1">
+              <a:defRPr sz="1800" kern="1200">
+                <a:solidFill>
+                  <a:schemeClr val="tx1"/>
+                </a:solidFill>
+                <a:latin typeface="+mn-lt"/>
+                <a:ea typeface="+mn-ea"/>
+                <a:cs typeface="+mn-cs"/>
+              </a:defRPr>
+            </a:lvl3pPr>
+            <a:lvl4pPr marL="1371600" algn="l" defTabSz="914400" rtl="0" eaLnBrk="1" latinLnBrk="0" hangingPunct="1">
+              <a:defRPr sz="1800" kern="1200">
+                <a:solidFill>
+                  <a:schemeClr val="tx1"/>
+                </a:solidFill>
+                <a:latin typeface="+mn-lt"/>
+                <a:ea typeface="+mn-ea"/>
+                <a:cs typeface="+mn-cs"/>
+              </a:defRPr>
+            </a:lvl4pPr>
+            <a:lvl5pPr marL="1828800" algn="l" defTabSz="914400" rtl="0" eaLnBrk="1" latinLnBrk="0" hangingPunct="1">
+              <a:defRPr sz="1800" kern="1200">
+                <a:solidFill>
+                  <a:schemeClr val="tx1"/>
+                </a:solidFill>
+                <a:latin typeface="+mn-lt"/>
+                <a:ea typeface="+mn-ea"/>
+                <a:cs typeface="+mn-cs"/>
+              </a:defRPr>
+            </a:lvl5pPr>
+            <a:lvl6pPr marL="2286000" algn="l" defTabSz="914400" rtl="0" eaLnBrk="1" latinLnBrk="0" hangingPunct="1">
+              <a:defRPr sz="1800" kern="1200">
+                <a:solidFill>
+                  <a:schemeClr val="tx1"/>
+                </a:solidFill>
+                <a:latin typeface="+mn-lt"/>
+                <a:ea typeface="+mn-ea"/>
+                <a:cs typeface="+mn-cs"/>
+              </a:defRPr>
+            </a:lvl6pPr>
+            <a:lvl7pPr marL="2743200" algn="l" defTabSz="914400" rtl="0" eaLnBrk="1" latinLnBrk="0" hangingPunct="1">
+              <a:defRPr sz="1800" kern="1200">
+                <a:solidFill>
+                  <a:schemeClr val="tx1"/>
+                </a:solidFill>
+                <a:latin typeface="+mn-lt"/>
+                <a:ea typeface="+mn-ea"/>
+                <a:cs typeface="+mn-cs"/>
+              </a:defRPr>
+            </a:lvl7pPr>
+            <a:lvl8pPr marL="3200400" algn="l" defTabSz="914400" rtl="0" eaLnBrk="1" latinLnBrk="0" hangingPunct="1">
+              <a:defRPr sz="1800" kern="1200">
+                <a:solidFill>
+                  <a:schemeClr val="tx1"/>
+                </a:solidFill>
+                <a:latin typeface="+mn-lt"/>
+                <a:ea typeface="+mn-ea"/>
+                <a:cs typeface="+mn-cs"/>
+              </a:defRPr>
+            </a:lvl8pPr>
+            <a:lvl9pPr marL="3657600" algn="l" defTabSz="914400" rtl="0" eaLnBrk="1" latinLnBrk="0" hangingPunct="1">
+              <a:defRPr sz="1800" kern="1200">
+                <a:solidFill>
+                  <a:schemeClr val="tx1"/>
+                </a:solidFill>
+                <a:latin typeface="+mn-lt"/>
+                <a:ea typeface="+mn-ea"/>
+                <a:cs typeface="+mn-cs"/>
+              </a:defRPr>
+            </a:lvl9pPr>
+          </a:lstStyle>
+          <a:p>
+            <a:r>
+              <a:rPr lang="hu-HU" dirty="0"/>
+              <a:t>Mester Johannes William</a:t>
             </a:r>
           </a:p>
         </p:txBody>
